--- a/Smart India Hackathon 2025.pptx
+++ b/Smart India Hackathon 2025.pptx
@@ -4673,7 +4673,7 @@
                 <a16:creationId xmlns:a16="http://schemas.microsoft.com/office/drawing/2014/main" id="{3E443FD7-A66B-4AA0-872D-B088B9BC5F17}"/>
               </a:ext>
               <a:ext uri="{C183D7F6-B498-43B3-948B-1728B52AA6E4}">
-                <adec:decorative xmlns="" xmlns:adec="http://schemas.microsoft.com/office/drawing/2017/decorative" val="1"/>
+                <adec:decorative xmlns:adec="http://schemas.microsoft.com/office/drawing/2017/decorative" xmlns="" val="1"/>
               </a:ext>
             </a:extLst>
           </p:cNvPr>
@@ -4733,7 +4733,7 @@
                 <a16:creationId xmlns:a16="http://schemas.microsoft.com/office/drawing/2014/main" id="{C04BE0EF-3561-49B4-9A29-F283168A91C7}"/>
               </a:ext>
               <a:ext uri="{C183D7F6-B498-43B3-948B-1728B52AA6E4}">
-                <adec:decorative xmlns="" xmlns:adec="http://schemas.microsoft.com/office/drawing/2017/decorative" val="1"/>
+                <adec:decorative xmlns:adec="http://schemas.microsoft.com/office/drawing/2017/decorative" xmlns="" val="1"/>
               </a:ext>
             </a:extLst>
           </p:cNvPr>
@@ -5700,7 +5700,21 @@
                 <a:latin typeface="Arial" panose="020B0604020202020204" pitchFamily="34" charset="0"/>
                 <a:cs typeface="Arial" panose="020B0604020202020204" pitchFamily="34" charset="0"/>
               </a:rPr>
-              <a:t>- AI driven public health chat bot for disease awareness</a:t>
+              <a:t>- </a:t>
+            </a:r>
+            <a:r>
+              <a:rPr lang="en-US" sz="2000" dirty="0" smtClean="0">
+                <a:latin typeface="Arial" panose="020B0604020202020204" pitchFamily="34" charset="0"/>
+                <a:cs typeface="Arial" panose="020B0604020202020204" pitchFamily="34" charset="0"/>
+              </a:rPr>
+              <a:t>AI-driven </a:t>
+            </a:r>
+            <a:r>
+              <a:rPr lang="en-US" sz="2000" dirty="0" smtClean="0">
+                <a:latin typeface="Arial" panose="020B0604020202020204" pitchFamily="34" charset="0"/>
+                <a:cs typeface="Arial" panose="020B0604020202020204" pitchFamily="34" charset="0"/>
+              </a:rPr>
+              <a:t>public health chat bot for disease awareness</a:t>
             </a:r>
             <a:endParaRPr lang="en-US" dirty="0">
               <a:latin typeface="Arial" panose="020B0604020202020204" pitchFamily="34" charset="0"/>
@@ -5781,14 +5795,7 @@
                 <a:latin typeface="Arial" panose="020B0604020202020204" pitchFamily="34" charset="0"/>
                 <a:cs typeface="Arial" panose="020B0604020202020204" pitchFamily="34" charset="0"/>
               </a:rPr>
-              <a:t>Team </a:t>
-            </a:r>
-            <a:r>
-              <a:rPr lang="en-US" sz="2000" b="1" dirty="0">
-                <a:latin typeface="Arial" panose="020B0604020202020204" pitchFamily="34" charset="0"/>
-                <a:cs typeface="Arial" panose="020B0604020202020204" pitchFamily="34" charset="0"/>
-              </a:rPr>
-              <a:t>ID- </a:t>
+              <a:t>Team ID- </a:t>
             </a:r>
             <a:r>
               <a:rPr lang="en-US" sz="2000" dirty="0">
@@ -5797,10 +5804,6 @@
               </a:rPr>
               <a:t>CS-B 03</a:t>
             </a:r>
-            <a:endParaRPr lang="en-US" sz="2000" dirty="0">
-              <a:latin typeface="Arial" panose="020B0604020202020204" pitchFamily="34" charset="0"/>
-              <a:cs typeface="Arial" panose="020B0604020202020204" pitchFamily="34" charset="0"/>
-            </a:endParaRPr>
           </a:p>
           <a:p>
             <a:pPr marL="285750" indent="-285750" algn="just">
@@ -6061,7 +6064,7 @@
                 <a16:creationId xmlns:a16="http://schemas.microsoft.com/office/drawing/2014/main" id="{5DBCE864-823D-4A13-9607-5DA1F0ED5FB8}"/>
               </a:ext>
               <a:ext uri="{C183D7F6-B498-43B3-948B-1728B52AA6E4}">
-                <adec:decorative xmlns="" xmlns:adec="http://schemas.microsoft.com/office/drawing/2017/decorative" val="0"/>
+                <adec:decorative xmlns:adec="http://schemas.microsoft.com/office/drawing/2017/decorative" xmlns="" val="0"/>
               </a:ext>
             </a:extLst>
           </p:cNvPr>
@@ -6381,7 +6384,7 @@
         </p:nvSpPr>
         <p:spPr>
           <a:xfrm>
-            <a:off x="7107382" y="1956850"/>
+            <a:off x="7107382" y="1750705"/>
             <a:ext cx="4475018" cy="2923877"/>
           </a:xfrm>
           <a:prstGeom prst="rect">
@@ -6518,7 +6521,7 @@
         </p:nvSpPr>
         <p:spPr bwMode="auto">
           <a:xfrm>
-            <a:off x="7107382" y="5218934"/>
+            <a:off x="7107382" y="5053007"/>
             <a:ext cx="4183180" cy="923330"/>
           </a:xfrm>
           <a:prstGeom prst="rect">
@@ -6858,7 +6861,7 @@
                 <a16:creationId xmlns:a16="http://schemas.microsoft.com/office/drawing/2014/main" id="{5DBCE864-823D-4A13-9607-5DA1F0ED5FB8}"/>
               </a:ext>
               <a:ext uri="{C183D7F6-B498-43B3-948B-1728B52AA6E4}">
-                <adec:decorative xmlns="" xmlns:adec="http://schemas.microsoft.com/office/drawing/2017/decorative" val="0"/>
+                <adec:decorative xmlns:adec="http://schemas.microsoft.com/office/drawing/2017/decorative" xmlns="" val="0"/>
               </a:ext>
             </a:extLst>
           </p:cNvPr>
@@ -7262,7 +7265,7 @@
         </p:blipFill>
         <p:spPr>
           <a:xfrm>
-            <a:off x="5877063" y="1059579"/>
+            <a:off x="5628516" y="919741"/>
             <a:ext cx="5317410" cy="5298499"/>
           </a:xfrm>
           <a:prstGeom prst="rect">
@@ -7938,7 +7941,7 @@
                 <a16:creationId xmlns:a16="http://schemas.microsoft.com/office/drawing/2014/main" id="{5DBCE864-823D-4A13-9607-5DA1F0ED5FB8}"/>
               </a:ext>
               <a:ext uri="{C183D7F6-B498-43B3-948B-1728B52AA6E4}">
-                <adec:decorative xmlns="" xmlns:adec="http://schemas.microsoft.com/office/drawing/2017/decorative" val="0"/>
+                <adec:decorative xmlns:adec="http://schemas.microsoft.com/office/drawing/2017/decorative" xmlns="" val="0"/>
               </a:ext>
             </a:extLst>
           </p:cNvPr>
@@ -8573,7 +8576,7 @@
                 <a16:creationId xmlns:a16="http://schemas.microsoft.com/office/drawing/2014/main" id="{5DBCE864-823D-4A13-9607-5DA1F0ED5FB8}"/>
               </a:ext>
               <a:ext uri="{C183D7F6-B498-43B3-948B-1728B52AA6E4}">
-                <adec:decorative xmlns="" xmlns:adec="http://schemas.microsoft.com/office/drawing/2017/decorative" val="0"/>
+                <adec:decorative xmlns:adec="http://schemas.microsoft.com/office/drawing/2017/decorative" xmlns="" val="0"/>
               </a:ext>
             </a:extLst>
           </p:cNvPr>
@@ -9006,7 +9009,7 @@
                 <a16:creationId xmlns:a16="http://schemas.microsoft.com/office/drawing/2014/main" id="{5DBCE864-823D-4A13-9607-5DA1F0ED5FB8}"/>
               </a:ext>
               <a:ext uri="{C183D7F6-B498-43B3-948B-1728B52AA6E4}">
-                <adec:decorative xmlns="" xmlns:adec="http://schemas.microsoft.com/office/drawing/2017/decorative" val="0"/>
+                <adec:decorative xmlns:adec="http://schemas.microsoft.com/office/drawing/2017/decorative" xmlns="" val="0"/>
               </a:ext>
             </a:extLst>
           </p:cNvPr>
